--- a/Baseball_Attendance.pptx
+++ b/Baseball_Attendance.pptx
@@ -270,7 +270,7 @@
           <a:p>
             <a:fld id="{322923E3-A1C6-EF4E-8070-49C97061589D}" type="datetimeFigureOut">
               <a:rPr lang="en-US" smtClean="0"/>
-              <a:t>3/10/19</a:t>
+              <a:t>3/12/2019</a:t>
             </a:fld>
             <a:endParaRPr lang="en-US"/>
           </a:p>
@@ -468,7 +468,7 @@
           <a:p>
             <a:fld id="{322923E3-A1C6-EF4E-8070-49C97061589D}" type="datetimeFigureOut">
               <a:rPr lang="en-US" smtClean="0"/>
-              <a:t>3/10/19</a:t>
+              <a:t>3/12/2019</a:t>
             </a:fld>
             <a:endParaRPr lang="en-US"/>
           </a:p>
@@ -676,7 +676,7 @@
           <a:p>
             <a:fld id="{322923E3-A1C6-EF4E-8070-49C97061589D}" type="datetimeFigureOut">
               <a:rPr lang="en-US" smtClean="0"/>
-              <a:t>3/10/19</a:t>
+              <a:t>3/12/2019</a:t>
             </a:fld>
             <a:endParaRPr lang="en-US"/>
           </a:p>
@@ -874,7 +874,7 @@
           <a:p>
             <a:fld id="{322923E3-A1C6-EF4E-8070-49C97061589D}" type="datetimeFigureOut">
               <a:rPr lang="en-US" smtClean="0"/>
-              <a:t>3/10/19</a:t>
+              <a:t>3/12/2019</a:t>
             </a:fld>
             <a:endParaRPr lang="en-US"/>
           </a:p>
@@ -1149,7 +1149,7 @@
           <a:p>
             <a:fld id="{322923E3-A1C6-EF4E-8070-49C97061589D}" type="datetimeFigureOut">
               <a:rPr lang="en-US" smtClean="0"/>
-              <a:t>3/10/19</a:t>
+              <a:t>3/12/2019</a:t>
             </a:fld>
             <a:endParaRPr lang="en-US"/>
           </a:p>
@@ -1414,7 +1414,7 @@
           <a:p>
             <a:fld id="{322923E3-A1C6-EF4E-8070-49C97061589D}" type="datetimeFigureOut">
               <a:rPr lang="en-US" smtClean="0"/>
-              <a:t>3/10/19</a:t>
+              <a:t>3/12/2019</a:t>
             </a:fld>
             <a:endParaRPr lang="en-US"/>
           </a:p>
@@ -1826,7 +1826,7 @@
           <a:p>
             <a:fld id="{322923E3-A1C6-EF4E-8070-49C97061589D}" type="datetimeFigureOut">
               <a:rPr lang="en-US" smtClean="0"/>
-              <a:t>3/10/19</a:t>
+              <a:t>3/12/2019</a:t>
             </a:fld>
             <a:endParaRPr lang="en-US"/>
           </a:p>
@@ -1967,7 +1967,7 @@
           <a:p>
             <a:fld id="{322923E3-A1C6-EF4E-8070-49C97061589D}" type="datetimeFigureOut">
               <a:rPr lang="en-US" smtClean="0"/>
-              <a:t>3/10/19</a:t>
+              <a:t>3/12/2019</a:t>
             </a:fld>
             <a:endParaRPr lang="en-US"/>
           </a:p>
@@ -2080,7 +2080,7 @@
           <a:p>
             <a:fld id="{322923E3-A1C6-EF4E-8070-49C97061589D}" type="datetimeFigureOut">
               <a:rPr lang="en-US" smtClean="0"/>
-              <a:t>3/10/19</a:t>
+              <a:t>3/12/2019</a:t>
             </a:fld>
             <a:endParaRPr lang="en-US"/>
           </a:p>
@@ -2391,7 +2391,7 @@
           <a:p>
             <a:fld id="{322923E3-A1C6-EF4E-8070-49C97061589D}" type="datetimeFigureOut">
               <a:rPr lang="en-US" smtClean="0"/>
-              <a:t>3/10/19</a:t>
+              <a:t>3/12/2019</a:t>
             </a:fld>
             <a:endParaRPr lang="en-US"/>
           </a:p>
@@ -2679,7 +2679,7 @@
           <a:p>
             <a:fld id="{322923E3-A1C6-EF4E-8070-49C97061589D}" type="datetimeFigureOut">
               <a:rPr lang="en-US" smtClean="0"/>
-              <a:t>3/10/19</a:t>
+              <a:t>3/12/2019</a:t>
             </a:fld>
             <a:endParaRPr lang="en-US"/>
           </a:p>
@@ -2920,7 +2920,7 @@
           <a:p>
             <a:fld id="{322923E3-A1C6-EF4E-8070-49C97061589D}" type="datetimeFigureOut">
               <a:rPr lang="en-US" smtClean="0"/>
-              <a:t>3/10/19</a:t>
+              <a:t>3/12/2019</a:t>
             </a:fld>
             <a:endParaRPr lang="en-US"/>
           </a:p>
@@ -3394,7 +3394,7 @@
         </p:spPr>
         <p:txBody>
           <a:bodyPr>
-            <a:normAutofit fontScale="92500" lnSpcReduction="10000"/>
+            <a:normAutofit/>
           </a:bodyPr>
           <a:lstStyle/>
           <a:p>
@@ -3414,17 +3414,6 @@
               <a:rPr lang="en-US" dirty="0"/>
               <a:t>Kelsey An</a:t>
             </a:r>
-          </a:p>
-          <a:p>
-            <a:r>
-              <a:rPr lang="en-US" dirty="0"/>
-              <a:t>Scott </a:t>
-            </a:r>
-            <a:r>
-              <a:rPr lang="en-US" dirty="0" err="1"/>
-              <a:t>Widmann</a:t>
-            </a:r>
-            <a:endParaRPr lang="en-US" dirty="0"/>
           </a:p>
         </p:txBody>
       </p:sp>
@@ -3719,7 +3708,7 @@
         <p:spPr>
           <a:xfrm>
             <a:off x="372979" y="1816768"/>
-            <a:ext cx="11499934" cy="1292662"/>
+            <a:ext cx="11499934" cy="4616648"/>
           </a:xfrm>
           <a:prstGeom prst="rect">
             <a:avLst/>
@@ -3747,7 +3736,27 @@
             </a:pPr>
             <a:r>
               <a:rPr lang="en-US" dirty="0"/>
-              <a:t>Limit 1</a:t>
+              <a:t>Attendance </a:t>
+            </a:r>
+          </a:p>
+          <a:p>
+            <a:pPr marL="742950" lvl="1" indent="-285750">
+              <a:buFont typeface="Arial" panose="020B0604020202020204" pitchFamily="34" charset="0"/>
+              <a:buChar char="•"/>
+            </a:pPr>
+            <a:r>
+              <a:rPr lang="en-US" dirty="0"/>
+              <a:t>Day of game ticket purchase data</a:t>
+            </a:r>
+          </a:p>
+          <a:p>
+            <a:pPr marL="742950" lvl="1" indent="-285750">
+              <a:buFont typeface="Arial" panose="020B0604020202020204" pitchFamily="34" charset="0"/>
+              <a:buChar char="•"/>
+            </a:pPr>
+            <a:r>
+              <a:rPr lang="en-US" dirty="0"/>
+              <a:t>Fan sentiment</a:t>
             </a:r>
           </a:p>
           <a:p>
@@ -3757,8 +3766,105 @@
             </a:pPr>
             <a:r>
               <a:rPr lang="en-US" dirty="0"/>
-              <a:t>Limit 2</a:t>
-            </a:r>
+              <a:t>Weather </a:t>
+            </a:r>
+          </a:p>
+          <a:p>
+            <a:pPr marL="742950" lvl="1" indent="-285750">
+              <a:buFont typeface="Arial" panose="020B0604020202020204" pitchFamily="34" charset="0"/>
+              <a:buChar char="•"/>
+            </a:pPr>
+            <a:r>
+              <a:rPr lang="en-US" dirty="0"/>
+              <a:t>Forecasted weather for the day of game</a:t>
+            </a:r>
+          </a:p>
+          <a:p>
+            <a:pPr marL="285750" indent="-285750">
+              <a:buFont typeface="Arial" panose="020B0604020202020204" pitchFamily="34" charset="0"/>
+              <a:buChar char="•"/>
+            </a:pPr>
+            <a:r>
+              <a:rPr lang="en-US" dirty="0"/>
+              <a:t>Time/Date</a:t>
+            </a:r>
+          </a:p>
+          <a:p>
+            <a:pPr marL="742950" lvl="1" indent="-285750">
+              <a:buFont typeface="Arial" panose="020B0604020202020204" pitchFamily="34" charset="0"/>
+              <a:buChar char="•"/>
+            </a:pPr>
+            <a:r>
+              <a:rPr lang="en-US" dirty="0"/>
+              <a:t>Is it a doubleheader?</a:t>
+            </a:r>
+          </a:p>
+          <a:p>
+            <a:pPr marL="742950" lvl="1" indent="-285750">
+              <a:buFont typeface="Arial" panose="020B0604020202020204" pitchFamily="34" charset="0"/>
+              <a:buChar char="•"/>
+            </a:pPr>
+            <a:r>
+              <a:rPr lang="en-US" dirty="0"/>
+              <a:t>Is it a rescheduled game?</a:t>
+            </a:r>
+          </a:p>
+          <a:p>
+            <a:pPr marL="285750" indent="-285750">
+              <a:buFont typeface="Arial" panose="020B0604020202020204" pitchFamily="34" charset="0"/>
+              <a:buChar char="•"/>
+            </a:pPr>
+            <a:r>
+              <a:rPr lang="en-US" dirty="0"/>
+              <a:t>Players</a:t>
+            </a:r>
+          </a:p>
+          <a:p>
+            <a:pPr marL="742950" lvl="1" indent="-285750">
+              <a:buFont typeface="Arial" panose="020B0604020202020204" pitchFamily="34" charset="0"/>
+              <a:buChar char="•"/>
+            </a:pPr>
+            <a:r>
+              <a:rPr lang="en-US" dirty="0"/>
+              <a:t>Starting pitcher for either team</a:t>
+            </a:r>
+          </a:p>
+          <a:p>
+            <a:pPr marL="742950" lvl="1" indent="-285750">
+              <a:buFont typeface="Arial" panose="020B0604020202020204" pitchFamily="34" charset="0"/>
+              <a:buChar char="•"/>
+            </a:pPr>
+            <a:r>
+              <a:rPr lang="en-US" dirty="0"/>
+              <a:t>Marque player</a:t>
+            </a:r>
+          </a:p>
+          <a:p>
+            <a:pPr marL="742950" lvl="1" indent="-285750">
+              <a:buFont typeface="Arial" panose="020B0604020202020204" pitchFamily="34" charset="0"/>
+              <a:buChar char="•"/>
+            </a:pPr>
+            <a:r>
+              <a:rPr lang="en-US" dirty="0"/>
+              <a:t>Fan popular player returning from disabled list</a:t>
+            </a:r>
+          </a:p>
+          <a:p>
+            <a:pPr marL="742950" lvl="1" indent="-285750">
+              <a:buFont typeface="Arial" panose="020B0604020202020204" pitchFamily="34" charset="0"/>
+              <a:buChar char="•"/>
+            </a:pPr>
+            <a:r>
+              <a:rPr lang="en-US" dirty="0"/>
+              <a:t>Fan popular player returning after being traded</a:t>
+            </a:r>
+          </a:p>
+          <a:p>
+            <a:pPr marL="742950" lvl="1" indent="-285750">
+              <a:buFont typeface="Arial" panose="020B0604020202020204" pitchFamily="34" charset="0"/>
+              <a:buChar char="•"/>
+            </a:pPr>
+            <a:endParaRPr lang="en-US" dirty="0"/>
           </a:p>
         </p:txBody>
       </p:sp>
@@ -4266,7 +4372,7 @@
             </a:r>
             <a:r>
               <a:rPr lang="en-US" dirty="0"/>
-              <a:t> Monterrey, BB&amp;T Ballpark, and Fort Bragg Field don’t pull a large crowd since mainly pre-season games occur here.</a:t>
+              <a:t> Monterrey, BB&amp;T Ballpark, and Fort Bragg Field don’t pull a large crowd since mainly pre-season or exhibition games occur here.</a:t>
             </a:r>
           </a:p>
         </p:txBody>
@@ -5309,7 +5415,7 @@
             </a:pPr>
             <a:r>
               <a:rPr lang="en-US" dirty="0"/>
-              <a:t>he team with the lowest attendance had more home runs than 11 other teams</a:t>
+              <a:t>The team with the lowest attendance had more home runs than 11 other teams</a:t>
             </a:r>
           </a:p>
           <a:p>
